--- a/Update.pptx
+++ b/Update.pptx
@@ -7,10 +7,13 @@
   <p:sldIdLst>
     <p:sldId id="256" r:id="rId2"/>
     <p:sldId id="257" r:id="rId3"/>
-    <p:sldId id="258" r:id="rId4"/>
-    <p:sldId id="259" r:id="rId5"/>
-    <p:sldId id="260" r:id="rId6"/>
-    <p:sldId id="261" r:id="rId7"/>
+    <p:sldId id="262" r:id="rId4"/>
+    <p:sldId id="258" r:id="rId5"/>
+    <p:sldId id="259" r:id="rId6"/>
+    <p:sldId id="260" r:id="rId7"/>
+    <p:sldId id="263" r:id="rId8"/>
+    <p:sldId id="264" r:id="rId9"/>
+    <p:sldId id="261" r:id="rId10"/>
   </p:sldIdLst>
   <p:sldSz cx="9144000" cy="6858000" type="screen4x3"/>
   <p:notesSz cx="6858000" cy="9144000"/>
@@ -293,6 +296,7 @@
           <a:p>
             <a:fld id="{3A122337-A63C-43BA-AD96-C325C3E58649}" type="datetimeFigureOut">
               <a:rPr lang="en-US" smtClean="0"/>
+              <a:pPr/>
               <a:t>11/1/2013</a:t>
             </a:fld>
             <a:endParaRPr lang="en-US"/>
@@ -335,6 +339,7 @@
           <a:p>
             <a:fld id="{FB954221-5586-4DB6-A5A3-E60690784914}" type="slidenum">
               <a:rPr lang="en-US" smtClean="0"/>
+              <a:pPr/>
               <a:t>‹#›</a:t>
             </a:fld>
             <a:endParaRPr lang="en-US"/>
@@ -458,6 +463,7 @@
           <a:p>
             <a:fld id="{3A122337-A63C-43BA-AD96-C325C3E58649}" type="datetimeFigureOut">
               <a:rPr lang="en-US" smtClean="0"/>
+              <a:pPr/>
               <a:t>11/1/2013</a:t>
             </a:fld>
             <a:endParaRPr lang="en-US"/>
@@ -500,6 +506,7 @@
           <a:p>
             <a:fld id="{FB954221-5586-4DB6-A5A3-E60690784914}" type="slidenum">
               <a:rPr lang="en-US" smtClean="0"/>
+              <a:pPr/>
               <a:t>‹#›</a:t>
             </a:fld>
             <a:endParaRPr lang="en-US"/>
@@ -633,6 +640,7 @@
           <a:p>
             <a:fld id="{3A122337-A63C-43BA-AD96-C325C3E58649}" type="datetimeFigureOut">
               <a:rPr lang="en-US" smtClean="0"/>
+              <a:pPr/>
               <a:t>11/1/2013</a:t>
             </a:fld>
             <a:endParaRPr lang="en-US"/>
@@ -675,6 +683,7 @@
           <a:p>
             <a:fld id="{FB954221-5586-4DB6-A5A3-E60690784914}" type="slidenum">
               <a:rPr lang="en-US" smtClean="0"/>
+              <a:pPr/>
               <a:t>‹#›</a:t>
             </a:fld>
             <a:endParaRPr lang="en-US"/>
@@ -798,6 +807,7 @@
           <a:p>
             <a:fld id="{3A122337-A63C-43BA-AD96-C325C3E58649}" type="datetimeFigureOut">
               <a:rPr lang="en-US" smtClean="0"/>
+              <a:pPr/>
               <a:t>11/1/2013</a:t>
             </a:fld>
             <a:endParaRPr lang="en-US"/>
@@ -840,6 +850,7 @@
           <a:p>
             <a:fld id="{FB954221-5586-4DB6-A5A3-E60690784914}" type="slidenum">
               <a:rPr lang="en-US" smtClean="0"/>
+              <a:pPr/>
               <a:t>‹#›</a:t>
             </a:fld>
             <a:endParaRPr lang="en-US"/>
@@ -1039,6 +1050,7 @@
           <a:p>
             <a:fld id="{3A122337-A63C-43BA-AD96-C325C3E58649}" type="datetimeFigureOut">
               <a:rPr lang="en-US" smtClean="0"/>
+              <a:pPr/>
               <a:t>11/1/2013</a:t>
             </a:fld>
             <a:endParaRPr lang="en-US"/>
@@ -1081,6 +1093,7 @@
           <a:p>
             <a:fld id="{FB954221-5586-4DB6-A5A3-E60690784914}" type="slidenum">
               <a:rPr lang="en-US" smtClean="0"/>
+              <a:pPr/>
               <a:t>‹#›</a:t>
             </a:fld>
             <a:endParaRPr lang="en-US"/>
@@ -1322,6 +1335,7 @@
           <a:p>
             <a:fld id="{3A122337-A63C-43BA-AD96-C325C3E58649}" type="datetimeFigureOut">
               <a:rPr lang="en-US" smtClean="0"/>
+              <a:pPr/>
               <a:t>11/1/2013</a:t>
             </a:fld>
             <a:endParaRPr lang="en-US"/>
@@ -1364,6 +1378,7 @@
           <a:p>
             <a:fld id="{FB954221-5586-4DB6-A5A3-E60690784914}" type="slidenum">
               <a:rPr lang="en-US" smtClean="0"/>
+              <a:pPr/>
               <a:t>‹#›</a:t>
             </a:fld>
             <a:endParaRPr lang="en-US"/>
@@ -1739,6 +1754,7 @@
           <a:p>
             <a:fld id="{3A122337-A63C-43BA-AD96-C325C3E58649}" type="datetimeFigureOut">
               <a:rPr lang="en-US" smtClean="0"/>
+              <a:pPr/>
               <a:t>11/1/2013</a:t>
             </a:fld>
             <a:endParaRPr lang="en-US"/>
@@ -1781,6 +1797,7 @@
           <a:p>
             <a:fld id="{FB954221-5586-4DB6-A5A3-E60690784914}" type="slidenum">
               <a:rPr lang="en-US" smtClean="0"/>
+              <a:pPr/>
               <a:t>‹#›</a:t>
             </a:fld>
             <a:endParaRPr lang="en-US"/>
@@ -1852,6 +1869,7 @@
           <a:p>
             <a:fld id="{3A122337-A63C-43BA-AD96-C325C3E58649}" type="datetimeFigureOut">
               <a:rPr lang="en-US" smtClean="0"/>
+              <a:pPr/>
               <a:t>11/1/2013</a:t>
             </a:fld>
             <a:endParaRPr lang="en-US"/>
@@ -1894,6 +1912,7 @@
           <a:p>
             <a:fld id="{FB954221-5586-4DB6-A5A3-E60690784914}" type="slidenum">
               <a:rPr lang="en-US" smtClean="0"/>
+              <a:pPr/>
               <a:t>‹#›</a:t>
             </a:fld>
             <a:endParaRPr lang="en-US"/>
@@ -1942,6 +1961,7 @@
           <a:p>
             <a:fld id="{3A122337-A63C-43BA-AD96-C325C3E58649}" type="datetimeFigureOut">
               <a:rPr lang="en-US" smtClean="0"/>
+              <a:pPr/>
               <a:t>11/1/2013</a:t>
             </a:fld>
             <a:endParaRPr lang="en-US"/>
@@ -1984,6 +2004,7 @@
           <a:p>
             <a:fld id="{FB954221-5586-4DB6-A5A3-E60690784914}" type="slidenum">
               <a:rPr lang="en-US" smtClean="0"/>
+              <a:pPr/>
               <a:t>‹#›</a:t>
             </a:fld>
             <a:endParaRPr lang="en-US"/>
@@ -2214,6 +2235,7 @@
           <a:p>
             <a:fld id="{3A122337-A63C-43BA-AD96-C325C3E58649}" type="datetimeFigureOut">
               <a:rPr lang="en-US" smtClean="0"/>
+              <a:pPr/>
               <a:t>11/1/2013</a:t>
             </a:fld>
             <a:endParaRPr lang="en-US"/>
@@ -2256,6 +2278,7 @@
           <a:p>
             <a:fld id="{FB954221-5586-4DB6-A5A3-E60690784914}" type="slidenum">
               <a:rPr lang="en-US" smtClean="0"/>
+              <a:pPr/>
               <a:t>‹#›</a:t>
             </a:fld>
             <a:endParaRPr lang="en-US"/>
@@ -2462,6 +2485,7 @@
           <a:p>
             <a:fld id="{3A122337-A63C-43BA-AD96-C325C3E58649}" type="datetimeFigureOut">
               <a:rPr lang="en-US" smtClean="0"/>
+              <a:pPr/>
               <a:t>11/1/2013</a:t>
             </a:fld>
             <a:endParaRPr lang="en-US"/>
@@ -2504,6 +2528,7 @@
           <a:p>
             <a:fld id="{FB954221-5586-4DB6-A5A3-E60690784914}" type="slidenum">
               <a:rPr lang="en-US" smtClean="0"/>
+              <a:pPr/>
               <a:t>‹#›</a:t>
             </a:fld>
             <a:endParaRPr lang="en-US"/>
@@ -2670,6 +2695,7 @@
           <a:p>
             <a:fld id="{3A122337-A63C-43BA-AD96-C325C3E58649}" type="datetimeFigureOut">
               <a:rPr lang="en-US" smtClean="0"/>
+              <a:pPr/>
               <a:t>11/1/2013</a:t>
             </a:fld>
             <a:endParaRPr lang="en-US"/>
@@ -2748,6 +2774,7 @@
           <a:p>
             <a:fld id="{FB954221-5586-4DB6-A5A3-E60690784914}" type="slidenum">
               <a:rPr lang="en-US" smtClean="0"/>
+              <a:pPr/>
               <a:t>‹#›</a:t>
             </a:fld>
             <a:endParaRPr lang="en-US"/>
@@ -3229,7 +3256,7 @@
           <a:p>
             <a:r>
               <a:rPr lang="en-US" dirty="0" smtClean="0"/>
-              <a:t>Video Streaming </a:t>
+              <a:t>Weights </a:t>
             </a:r>
             <a:endParaRPr lang="en-US" dirty="0"/>
           </a:p>
@@ -3250,38 +3277,39 @@
           <a:bodyPr/>
           <a:lstStyle/>
           <a:p>
+            <a:pPr>
+              <a:buNone/>
+            </a:pPr>
             <a:r>
               <a:rPr lang="en-US" dirty="0" smtClean="0"/>
-              <a:t>Streaming is </a:t>
-            </a:r>
-            <a:r>
-              <a:rPr lang="en-US" dirty="0" err="1" smtClean="0"/>
-              <a:t>laggy</a:t>
-            </a:r>
+              <a:t>Plastic Propellers 7% flex </a:t>
+            </a:r>
+          </a:p>
+          <a:p>
+            <a:pPr>
+              <a:buNone/>
+            </a:pPr>
+            <a:endParaRPr lang="en-US" dirty="0" smtClean="0"/>
+          </a:p>
+          <a:p>
+            <a:pPr>
+              <a:buNone/>
+            </a:pPr>
             <a:r>
               <a:rPr lang="en-US" dirty="0" smtClean="0"/>
-              <a:t>. </a:t>
-            </a:r>
-          </a:p>
-          <a:p>
-            <a:r>
-              <a:rPr lang="en-US" dirty="0" smtClean="0"/>
-              <a:t>Three different types of connections from the stream WIFI, cellular, and wired all produce the same amount of video quality. </a:t>
-            </a:r>
-          </a:p>
-          <a:p>
-            <a:r>
-              <a:rPr lang="en-US" dirty="0" smtClean="0"/>
-              <a:t>The current method motion, and mpeg streamer will need to be tested </a:t>
-            </a:r>
-            <a:r>
-              <a:rPr lang="en-US" dirty="0" err="1" smtClean="0"/>
-              <a:t>extensivly</a:t>
-            </a:r>
-            <a:r>
-              <a:rPr lang="en-US" dirty="0" smtClean="0"/>
-              <a:t> to improve quality.  </a:t>
-            </a:r>
+              <a:t>Carbon fiber propeller  .3% flex </a:t>
+            </a:r>
+          </a:p>
+          <a:p>
+            <a:pPr>
+              <a:buNone/>
+            </a:pPr>
+            <a:endParaRPr lang="en-US" dirty="0" smtClean="0"/>
+          </a:p>
+          <a:p>
+            <a:pPr>
+              <a:buNone/>
+            </a:pPr>
             <a:endParaRPr lang="en-US" dirty="0"/>
           </a:p>
         </p:txBody>
@@ -3328,7 +3356,7 @@
           <a:p>
             <a:r>
               <a:rPr lang="en-US" dirty="0" smtClean="0"/>
-              <a:t>Flying </a:t>
+              <a:t>Video Streaming </a:t>
             </a:r>
             <a:endParaRPr lang="en-US" dirty="0"/>
           </a:p>
@@ -3351,7 +3379,35 @@
           <a:p>
             <a:r>
               <a:rPr lang="en-US" dirty="0" smtClean="0"/>
-              <a:t>Flying the copter proved to be successful there are new factors to be included before a flight specifically take off and landing. </a:t>
+              <a:t>Streaming is </a:t>
+            </a:r>
+            <a:r>
+              <a:rPr lang="en-US" dirty="0" err="1" smtClean="0"/>
+              <a:t>laggy</a:t>
+            </a:r>
+            <a:r>
+              <a:rPr lang="en-US" dirty="0" smtClean="0"/>
+              <a:t>. </a:t>
+            </a:r>
+          </a:p>
+          <a:p>
+            <a:r>
+              <a:rPr lang="en-US" dirty="0" smtClean="0"/>
+              <a:t>Three different types of connections from the stream WIFI, cellular, and wired all produce the same amount of video quality. </a:t>
+            </a:r>
+          </a:p>
+          <a:p>
+            <a:r>
+              <a:rPr lang="en-US" dirty="0" smtClean="0"/>
+              <a:t>The current method motion, and mpeg streamer will need to be tested </a:t>
+            </a:r>
+            <a:r>
+              <a:rPr lang="en-US" dirty="0" err="1" smtClean="0"/>
+              <a:t>extensivly</a:t>
+            </a:r>
+            <a:r>
+              <a:rPr lang="en-US" dirty="0" smtClean="0"/>
+              <a:t> to improve quality.  </a:t>
             </a:r>
             <a:endParaRPr lang="en-US" dirty="0"/>
           </a:p>
@@ -3399,7 +3455,7 @@
           <a:p>
             <a:r>
               <a:rPr lang="en-US" dirty="0" smtClean="0"/>
-              <a:t>Wind and take off</a:t>
+              <a:t>Flying </a:t>
             </a:r>
             <a:endParaRPr lang="en-US" dirty="0"/>
           </a:p>
@@ -3422,13 +3478,7 @@
           <a:p>
             <a:r>
               <a:rPr lang="en-US" dirty="0" smtClean="0"/>
-              <a:t>Limiting the amount of wind during take off will increasingly reduce the chance of crashing.</a:t>
-            </a:r>
-          </a:p>
-          <a:p>
-            <a:r>
-              <a:rPr lang="en-US" dirty="0" smtClean="0"/>
-              <a:t>During pre flight preventing gusts of wind from entering one side will prevent it from flipping over. </a:t>
+              <a:t>Flying the copter proved to be successful there are new factors to be included before a flight specifically take off and landing. </a:t>
             </a:r>
             <a:endParaRPr lang="en-US" dirty="0"/>
           </a:p>
@@ -3443,6 +3493,292 @@
 </file>
 
 <file path=ppt/slides/slide6.xml><?xml version="1.0" encoding="utf-8"?>
+<p:sld xmlns:a="http://schemas.openxmlformats.org/drawingml/2006/main" xmlns:r="http://schemas.openxmlformats.org/officeDocument/2006/relationships" xmlns:p="http://schemas.openxmlformats.org/presentationml/2006/main">
+  <p:cSld>
+    <p:spTree>
+      <p:nvGrpSpPr>
+        <p:cNvPr id="1" name=""/>
+        <p:cNvGrpSpPr/>
+        <p:nvPr/>
+      </p:nvGrpSpPr>
+      <p:grpSpPr>
+        <a:xfrm>
+          <a:off x="0" y="0"/>
+          <a:ext cx="0" cy="0"/>
+          <a:chOff x="0" y="0"/>
+          <a:chExt cx="0" cy="0"/>
+        </a:xfrm>
+      </p:grpSpPr>
+      <p:sp>
+        <p:nvSpPr>
+          <p:cNvPr id="2" name="Title 1"/>
+          <p:cNvSpPr>
+            <a:spLocks noGrp="1"/>
+          </p:cNvSpPr>
+          <p:nvPr>
+            <p:ph type="title"/>
+          </p:nvPr>
+        </p:nvSpPr>
+        <p:spPr/>
+        <p:txBody>
+          <a:bodyPr/>
+          <a:lstStyle/>
+          <a:p>
+            <a:r>
+              <a:rPr lang="en-US" dirty="0" smtClean="0"/>
+              <a:t>Wind and take off</a:t>
+            </a:r>
+            <a:endParaRPr lang="en-US" dirty="0"/>
+          </a:p>
+        </p:txBody>
+      </p:sp>
+      <p:sp>
+        <p:nvSpPr>
+          <p:cNvPr id="3" name="Content Placeholder 2"/>
+          <p:cNvSpPr>
+            <a:spLocks noGrp="1"/>
+          </p:cNvSpPr>
+          <p:nvPr>
+            <p:ph idx="1"/>
+          </p:nvPr>
+        </p:nvSpPr>
+        <p:spPr/>
+        <p:txBody>
+          <a:bodyPr/>
+          <a:lstStyle/>
+          <a:p>
+            <a:r>
+              <a:rPr lang="en-US" dirty="0" smtClean="0"/>
+              <a:t>Limiting the amount of wind during take off will increasingly reduce the chance of crashing.</a:t>
+            </a:r>
+          </a:p>
+          <a:p>
+            <a:r>
+              <a:rPr lang="en-US" dirty="0" smtClean="0"/>
+              <a:t>During pre flight preventing gusts of wind from entering one side will prevent it from flipping over. </a:t>
+            </a:r>
+            <a:endParaRPr lang="en-US" dirty="0"/>
+          </a:p>
+        </p:txBody>
+      </p:sp>
+    </p:spTree>
+  </p:cSld>
+  <p:clrMapOvr>
+    <a:masterClrMapping/>
+  </p:clrMapOvr>
+</p:sld>
+</file>
+
+<file path=ppt/slides/slide7.xml><?xml version="1.0" encoding="utf-8"?>
+<p:sld xmlns:a="http://schemas.openxmlformats.org/drawingml/2006/main" xmlns:r="http://schemas.openxmlformats.org/officeDocument/2006/relationships" xmlns:p="http://schemas.openxmlformats.org/presentationml/2006/main">
+  <p:cSld>
+    <p:spTree>
+      <p:nvGrpSpPr>
+        <p:cNvPr id="1" name=""/>
+        <p:cNvGrpSpPr/>
+        <p:nvPr/>
+      </p:nvGrpSpPr>
+      <p:grpSpPr>
+        <a:xfrm>
+          <a:off x="0" y="0"/>
+          <a:ext cx="0" cy="0"/>
+          <a:chOff x="0" y="0"/>
+          <a:chExt cx="0" cy="0"/>
+        </a:xfrm>
+      </p:grpSpPr>
+      <p:sp>
+        <p:nvSpPr>
+          <p:cNvPr id="2" name="Title 1"/>
+          <p:cNvSpPr>
+            <a:spLocks noGrp="1"/>
+          </p:cNvSpPr>
+          <p:nvPr>
+            <p:ph type="title"/>
+          </p:nvPr>
+        </p:nvSpPr>
+        <p:spPr/>
+        <p:txBody>
+          <a:bodyPr/>
+          <a:lstStyle/>
+          <a:p>
+            <a:r>
+              <a:rPr lang="en-US" dirty="0" smtClean="0"/>
+              <a:t>Solution to taking off</a:t>
+            </a:r>
+            <a:endParaRPr lang="en-US" dirty="0"/>
+          </a:p>
+        </p:txBody>
+      </p:sp>
+      <p:sp>
+        <p:nvSpPr>
+          <p:cNvPr id="3" name="Content Placeholder 2"/>
+          <p:cNvSpPr>
+            <a:spLocks noGrp="1"/>
+          </p:cNvSpPr>
+          <p:nvPr>
+            <p:ph idx="1"/>
+          </p:nvPr>
+        </p:nvSpPr>
+        <p:spPr/>
+        <p:txBody>
+          <a:bodyPr/>
+          <a:lstStyle/>
+          <a:p>
+            <a:pPr>
+              <a:buNone/>
+            </a:pPr>
+            <a:r>
+              <a:rPr lang="en-US" dirty="0" smtClean="0"/>
+              <a:t>Potential build of a large 4’X4’ box </a:t>
+            </a:r>
+          </a:p>
+          <a:p>
+            <a:pPr>
+              <a:buNone/>
+            </a:pPr>
+            <a:r>
+              <a:rPr lang="en-US" dirty="0" smtClean="0"/>
+              <a:t>When the copter is in the air auto stabilization is activated </a:t>
+            </a:r>
+          </a:p>
+          <a:p>
+            <a:pPr>
+              <a:buNone/>
+            </a:pPr>
+            <a:r>
+              <a:rPr lang="en-US" dirty="0" smtClean="0"/>
+              <a:t>When taking off the stabilization is off </a:t>
+            </a:r>
+          </a:p>
+          <a:p>
+            <a:pPr>
+              <a:buNone/>
+            </a:pPr>
+            <a:r>
+              <a:rPr lang="en-US" dirty="0" smtClean="0"/>
+              <a:t>One in the air I will not have to worry about wind.  </a:t>
+            </a:r>
+            <a:endParaRPr lang="en-US" dirty="0"/>
+          </a:p>
+        </p:txBody>
+      </p:sp>
+    </p:spTree>
+  </p:cSld>
+  <p:clrMapOvr>
+    <a:masterClrMapping/>
+  </p:clrMapOvr>
+</p:sld>
+</file>
+
+<file path=ppt/slides/slide8.xml><?xml version="1.0" encoding="utf-8"?>
+<p:sld xmlns:a="http://schemas.openxmlformats.org/drawingml/2006/main" xmlns:r="http://schemas.openxmlformats.org/officeDocument/2006/relationships" xmlns:p="http://schemas.openxmlformats.org/presentationml/2006/main">
+  <p:cSld>
+    <p:spTree>
+      <p:nvGrpSpPr>
+        <p:cNvPr id="1" name=""/>
+        <p:cNvGrpSpPr/>
+        <p:nvPr/>
+      </p:nvGrpSpPr>
+      <p:grpSpPr>
+        <a:xfrm>
+          <a:off x="0" y="0"/>
+          <a:ext cx="0" cy="0"/>
+          <a:chOff x="0" y="0"/>
+          <a:chExt cx="0" cy="0"/>
+        </a:xfrm>
+      </p:grpSpPr>
+      <p:sp>
+        <p:nvSpPr>
+          <p:cNvPr id="2" name="Title 1"/>
+          <p:cNvSpPr>
+            <a:spLocks noGrp="1"/>
+          </p:cNvSpPr>
+          <p:nvPr>
+            <p:ph type="title"/>
+          </p:nvPr>
+        </p:nvSpPr>
+        <p:spPr/>
+        <p:txBody>
+          <a:bodyPr/>
+          <a:lstStyle/>
+          <a:p>
+            <a:r>
+              <a:rPr lang="en-US" dirty="0" smtClean="0"/>
+              <a:t>Auto Pilot </a:t>
+            </a:r>
+            <a:endParaRPr lang="en-US" dirty="0"/>
+          </a:p>
+        </p:txBody>
+      </p:sp>
+      <p:sp>
+        <p:nvSpPr>
+          <p:cNvPr id="3" name="Content Placeholder 2"/>
+          <p:cNvSpPr>
+            <a:spLocks noGrp="1"/>
+          </p:cNvSpPr>
+          <p:nvPr>
+            <p:ph idx="1"/>
+          </p:nvPr>
+        </p:nvSpPr>
+        <p:spPr/>
+        <p:txBody>
+          <a:bodyPr/>
+          <a:lstStyle/>
+          <a:p>
+            <a:pPr>
+              <a:buNone/>
+            </a:pPr>
+            <a:r>
+              <a:rPr lang="en-US" dirty="0" smtClean="0"/>
+              <a:t>Current GPS locations of parking lots on campus </a:t>
+            </a:r>
+          </a:p>
+          <a:p>
+            <a:pPr>
+              <a:buNone/>
+            </a:pPr>
+            <a:r>
+              <a:rPr lang="en-US" dirty="0" err="1" smtClean="0"/>
+              <a:t>Resnick</a:t>
+            </a:r>
+            <a:r>
+              <a:rPr lang="en-US" dirty="0" smtClean="0"/>
+              <a:t> </a:t>
+            </a:r>
+            <a:r>
+              <a:rPr lang="en-US" dirty="0" smtClean="0"/>
+              <a:t>41,44,31.5 : -74,4,56.99</a:t>
+            </a:r>
+          </a:p>
+          <a:p>
+            <a:pPr>
+              <a:buNone/>
+            </a:pPr>
+            <a:r>
+              <a:rPr lang="en-US" dirty="0" smtClean="0"/>
+              <a:t>College Terrace 41,44,31.43 : -74,5,7.9512</a:t>
+            </a:r>
+          </a:p>
+          <a:p>
+            <a:pPr>
+              <a:buNone/>
+            </a:pPr>
+            <a:r>
+              <a:rPr lang="en-US" dirty="0" smtClean="0"/>
+              <a:t>RT 32  41,44,19.6008 : -74,4,47.21 </a:t>
+            </a:r>
+          </a:p>
+        </p:txBody>
+      </p:sp>
+    </p:spTree>
+  </p:cSld>
+  <p:clrMapOvr>
+    <a:masterClrMapping/>
+  </p:clrMapOvr>
+</p:sld>
+</file>
+
+<file path=ppt/slides/slide9.xml><?xml version="1.0" encoding="utf-8"?>
 <p:sld xmlns:a="http://schemas.openxmlformats.org/drawingml/2006/main" xmlns:r="http://schemas.openxmlformats.org/officeDocument/2006/relationships" xmlns:p="http://schemas.openxmlformats.org/presentationml/2006/main">
   <p:cSld>
     <p:spTree>
